--- a/documents/work/project_plan/SE2020-G05-项目计划0.2.pptx
+++ b/documents/work/project_plan/SE2020-G05-项目计划0.2.pptx
@@ -11084,7 +11084,7 @@
           <a:p>
             <a:fld id="{4A7B9F23-A219-494F-B8B7-EEC039C2A0EB}" type="datetimeFigureOut">
               <a:rPr lang="zh-CN" altLang="en-US" smtClean="0"/>
-              <a:t>2020/10/25</a:t>
+              <a:t>2020/10/27</a:t>
             </a:fld>
             <a:endParaRPr lang="zh-CN" altLang="en-US"/>
           </a:p>
@@ -11566,7 +11566,7 @@
           <a:p>
             <a:fld id="{AA7AF6DE-5BAC-425D-A0FB-E700E1B07290}" type="datetimeFigureOut">
               <a:rPr lang="zh-CN" altLang="en-US" smtClean="0"/>
-              <a:t>2020/10/25</a:t>
+              <a:t>2020/10/27</a:t>
             </a:fld>
             <a:endParaRPr lang="zh-CN" altLang="en-US"/>
           </a:p>
@@ -11736,7 +11736,7 @@
           <a:p>
             <a:fld id="{AA7AF6DE-5BAC-425D-A0FB-E700E1B07290}" type="datetimeFigureOut">
               <a:rPr lang="zh-CN" altLang="en-US" smtClean="0"/>
-              <a:t>2020/10/25</a:t>
+              <a:t>2020/10/27</a:t>
             </a:fld>
             <a:endParaRPr lang="zh-CN" altLang="en-US"/>
           </a:p>
@@ -11916,7 +11916,7 @@
           <a:p>
             <a:fld id="{AA7AF6DE-5BAC-425D-A0FB-E700E1B07290}" type="datetimeFigureOut">
               <a:rPr lang="zh-CN" altLang="en-US" smtClean="0"/>
-              <a:t>2020/10/25</a:t>
+              <a:t>2020/10/27</a:t>
             </a:fld>
             <a:endParaRPr lang="zh-CN" altLang="en-US"/>
           </a:p>
@@ -12086,7 +12086,7 @@
           <a:p>
             <a:fld id="{AA7AF6DE-5BAC-425D-A0FB-E700E1B07290}" type="datetimeFigureOut">
               <a:rPr lang="zh-CN" altLang="en-US" smtClean="0"/>
-              <a:t>2020/10/25</a:t>
+              <a:t>2020/10/27</a:t>
             </a:fld>
             <a:endParaRPr lang="zh-CN" altLang="en-US"/>
           </a:p>
@@ -12332,7 +12332,7 @@
           <a:p>
             <a:fld id="{AA7AF6DE-5BAC-425D-A0FB-E700E1B07290}" type="datetimeFigureOut">
               <a:rPr lang="zh-CN" altLang="en-US" smtClean="0"/>
-              <a:t>2020/10/25</a:t>
+              <a:t>2020/10/27</a:t>
             </a:fld>
             <a:endParaRPr lang="zh-CN" altLang="en-US"/>
           </a:p>
@@ -12564,7 +12564,7 @@
           <a:p>
             <a:fld id="{AA7AF6DE-5BAC-425D-A0FB-E700E1B07290}" type="datetimeFigureOut">
               <a:rPr lang="zh-CN" altLang="en-US" smtClean="0"/>
-              <a:t>2020/10/25</a:t>
+              <a:t>2020/10/27</a:t>
             </a:fld>
             <a:endParaRPr lang="zh-CN" altLang="en-US"/>
           </a:p>
@@ -12931,7 +12931,7 @@
           <a:p>
             <a:fld id="{AA7AF6DE-5BAC-425D-A0FB-E700E1B07290}" type="datetimeFigureOut">
               <a:rPr lang="zh-CN" altLang="en-US" smtClean="0"/>
-              <a:t>2020/10/25</a:t>
+              <a:t>2020/10/27</a:t>
             </a:fld>
             <a:endParaRPr lang="zh-CN" altLang="en-US"/>
           </a:p>
@@ -13049,7 +13049,7 @@
           <a:p>
             <a:fld id="{AA7AF6DE-5BAC-425D-A0FB-E700E1B07290}" type="datetimeFigureOut">
               <a:rPr lang="zh-CN" altLang="en-US" smtClean="0"/>
-              <a:t>2020/10/25</a:t>
+              <a:t>2020/10/27</a:t>
             </a:fld>
             <a:endParaRPr lang="zh-CN" altLang="en-US"/>
           </a:p>
@@ -13144,7 +13144,7 @@
           <a:p>
             <a:fld id="{AA7AF6DE-5BAC-425D-A0FB-E700E1B07290}" type="datetimeFigureOut">
               <a:rPr lang="zh-CN" altLang="en-US" smtClean="0"/>
-              <a:t>2020/10/25</a:t>
+              <a:t>2020/10/27</a:t>
             </a:fld>
             <a:endParaRPr lang="zh-CN" altLang="en-US"/>
           </a:p>
@@ -13421,7 +13421,7 @@
           <a:p>
             <a:fld id="{AA7AF6DE-5BAC-425D-A0FB-E700E1B07290}" type="datetimeFigureOut">
               <a:rPr lang="zh-CN" altLang="en-US" smtClean="0"/>
-              <a:t>2020/10/25</a:t>
+              <a:t>2020/10/27</a:t>
             </a:fld>
             <a:endParaRPr lang="zh-CN" altLang="en-US"/>
           </a:p>
@@ -13678,7 +13678,7 @@
           <a:p>
             <a:fld id="{AA7AF6DE-5BAC-425D-A0FB-E700E1B07290}" type="datetimeFigureOut">
               <a:rPr lang="zh-CN" altLang="en-US" smtClean="0"/>
-              <a:t>2020/10/25</a:t>
+              <a:t>2020/10/27</a:t>
             </a:fld>
             <a:endParaRPr lang="zh-CN" altLang="en-US"/>
           </a:p>
@@ -13891,7 +13891,7 @@
           <a:p>
             <a:fld id="{AA7AF6DE-5BAC-425D-A0FB-E700E1B07290}" type="datetimeFigureOut">
               <a:rPr lang="zh-CN" altLang="en-US" smtClean="0"/>
-              <a:t>2020/10/25</a:t>
+              <a:t>2020/10/27</a:t>
             </a:fld>
             <a:endParaRPr lang="zh-CN" altLang="en-US"/>
           </a:p>
@@ -20492,10 +20492,10 @@
       </p:cxnSp>
       <p:pic>
         <p:nvPicPr>
-          <p:cNvPr id="5" name="图片 4">
+          <p:cNvPr id="6" name="图片 5">
             <a:extLst>
               <a:ext uri="{FF2B5EF4-FFF2-40B4-BE49-F238E27FC236}">
-                <a16:creationId xmlns:a16="http://schemas.microsoft.com/office/drawing/2014/main" id="{35F9ADB7-C1F7-4D4A-AF94-52B04987BB9F}"/>
+                <a16:creationId xmlns:a16="http://schemas.microsoft.com/office/drawing/2014/main" id="{49092E70-A530-40E4-BC32-E9FB4C93DA4E}"/>
               </a:ext>
             </a:extLst>
           </p:cNvPr>
@@ -20512,38 +20512,8 @@
         </p:blipFill>
         <p:spPr>
           <a:xfrm>
-            <a:off x="2221585" y="399936"/>
-            <a:ext cx="4737343" cy="4419827"/>
-          </a:xfrm>
-          <a:prstGeom prst="rect">
-            <a:avLst/>
-          </a:prstGeom>
-        </p:spPr>
-      </p:pic>
-      <p:pic>
-        <p:nvPicPr>
-          <p:cNvPr id="7" name="图片 6">
-            <a:extLst>
-              <a:ext uri="{FF2B5EF4-FFF2-40B4-BE49-F238E27FC236}">
-                <a16:creationId xmlns:a16="http://schemas.microsoft.com/office/drawing/2014/main" id="{495A507D-4DCF-4FF8-897A-83CEDD05C2FD}"/>
-              </a:ext>
-            </a:extLst>
-          </p:cNvPr>
-          <p:cNvPicPr>
-            <a:picLocks noChangeAspect="1"/>
-          </p:cNvPicPr>
-          <p:nvPr/>
-        </p:nvPicPr>
-        <p:blipFill>
-          <a:blip r:embed="rId2"/>
-          <a:stretch>
-            <a:fillRect/>
-          </a:stretch>
-        </p:blipFill>
-        <p:spPr>
-          <a:xfrm>
-            <a:off x="1915554" y="373759"/>
-            <a:ext cx="4737343" cy="4419827"/>
+            <a:off x="1886978" y="453314"/>
+            <a:ext cx="4794496" cy="4623038"/>
           </a:xfrm>
           <a:prstGeom prst="rect">
             <a:avLst/>
